--- a/Python Heterodyne Measurement Automation Slides.pptx
+++ b/Python Heterodyne Measurement Automation Slides.pptx
@@ -5446,7 +5446,7 @@
         </p:nvSpPr>
         <p:spPr>
           <a:xfrm>
-            <a:off x="7757201" y="1746332"/>
+            <a:off x="7875790" y="5221255"/>
             <a:ext cx="4166532" cy="830997"/>
           </a:xfrm>
           <a:prstGeom prst="rect">
@@ -5556,6 +5556,119 @@
           </a:prstGeom>
         </p:spPr>
       </p:pic>
+      <p:sp>
+        <p:nvSpPr>
+          <p:cNvPr id="3" name="TextBox 2">
+            <a:extLst>
+              <a:ext uri="{FF2B5EF4-FFF2-40B4-BE49-F238E27FC236}">
+                <a16:creationId xmlns:a16="http://schemas.microsoft.com/office/drawing/2014/main" id="{74A8D06C-DD17-C26B-F608-413CC5A53A1D}"/>
+              </a:ext>
+            </a:extLst>
+          </p:cNvPr>
+          <p:cNvSpPr txBox="1"/>
+          <p:nvPr/>
+        </p:nvSpPr>
+        <p:spPr>
+          <a:xfrm>
+            <a:off x="7415784" y="1673826"/>
+            <a:ext cx="4626538" cy="3539430"/>
+          </a:xfrm>
+          <a:prstGeom prst="rect">
+            <a:avLst/>
+          </a:prstGeom>
+          <a:noFill/>
+        </p:spPr>
+        <p:txBody>
+          <a:bodyPr wrap="square" rtlCol="0">
+            <a:spAutoFit/>
+          </a:bodyPr>
+          <a:lstStyle/>
+          <a:p>
+            <a:pPr algn="ctr"/>
+            <a:r>
+              <a:rPr lang="en-US" sz="1600" b="1" u="sng" dirty="0"/>
+              <a:t>Common Errors</a:t>
+            </a:r>
+          </a:p>
+          <a:p>
+            <a:pPr marL="285750" indent="-285750">
+              <a:buFontTx/>
+              <a:buChar char="-"/>
+            </a:pPr>
+            <a:r>
+              <a:rPr lang="en-US" sz="1600" dirty="0"/>
+              <a:t>VISA Address not found </a:t>
+            </a:r>
+          </a:p>
+          <a:p>
+            <a:pPr marL="742950" lvl="1" indent="-285750">
+              <a:buFontTx/>
+              <a:buChar char="-"/>
+            </a:pPr>
+            <a:r>
+              <a:rPr lang="en-US" sz="1600" dirty="0"/>
+              <a:t>Ensure the GPIB hub is connected (blue USB connector) as well as the R&amp;S power sensor is connected by USB (black USB connector)</a:t>
+            </a:r>
+          </a:p>
+          <a:p>
+            <a:pPr marL="742950" lvl="1" indent="-285750">
+              <a:buFontTx/>
+              <a:buChar char="-"/>
+            </a:pPr>
+            <a:r>
+              <a:rPr lang="en-US" sz="1600" dirty="0"/>
+              <a:t>Try the program again</a:t>
+            </a:r>
+          </a:p>
+          <a:p>
+            <a:pPr marL="285750" indent="-285750">
+              <a:buFontTx/>
+              <a:buChar char="-"/>
+            </a:pPr>
+            <a:r>
+              <a:rPr lang="en-US" sz="1600" dirty="0"/>
+              <a:t>Calibration overstepped the threshold</a:t>
+            </a:r>
+          </a:p>
+          <a:p>
+            <a:pPr marL="742950" lvl="1" indent="-285750">
+              <a:buFontTx/>
+              <a:buChar char="-"/>
+            </a:pPr>
+            <a:r>
+              <a:rPr lang="en-US" sz="1600" dirty="0"/>
+              <a:t>Try the program again with different starting wavelength inputs</a:t>
+            </a:r>
+          </a:p>
+          <a:p>
+            <a:pPr marL="285750" indent="-285750">
+              <a:buFontTx/>
+              <a:buChar char="-"/>
+            </a:pPr>
+            <a:r>
+              <a:rPr lang="en-US" sz="1600" dirty="0"/>
+              <a:t>Error reading network analyzer/excel file</a:t>
+            </a:r>
+          </a:p>
+          <a:p>
+            <a:pPr marL="742950" lvl="1" indent="-285750">
+              <a:buFontTx/>
+              <a:buChar char="-"/>
+            </a:pPr>
+            <a:r>
+              <a:rPr lang="en-US" sz="1600" dirty="0"/>
+              <a:t>Ensure the correct file path are input for the .s2p and .xlsx loss data</a:t>
+            </a:r>
+          </a:p>
+          <a:p>
+            <a:pPr marL="285750" indent="-285750">
+              <a:buFontTx/>
+              <a:buChar char="-"/>
+            </a:pPr>
+            <a:endParaRPr lang="en-US" sz="1600" dirty="0"/>
+          </a:p>
+        </p:txBody>
+      </p:sp>
     </p:spTree>
     <p:extLst>
       <p:ext uri="{BB962C8B-B14F-4D97-AF65-F5344CB8AC3E}">
@@ -15249,10 +15362,10 @@
       </p:sp>
       <p:sp>
         <p:nvSpPr>
-          <p:cNvPr id="11" name="TextBox 10">
-            <a:extLst>
-              <a:ext uri="{FF2B5EF4-FFF2-40B4-BE49-F238E27FC236}">
-                <a16:creationId xmlns:a16="http://schemas.microsoft.com/office/drawing/2014/main" id="{91C6795D-F843-4C6F-8029-3F163B6CDB67}"/>
+          <p:cNvPr id="12" name="TextBox 11">
+            <a:extLst>
+              <a:ext uri="{FF2B5EF4-FFF2-40B4-BE49-F238E27FC236}">
+                <a16:creationId xmlns:a16="http://schemas.microsoft.com/office/drawing/2014/main" id="{C07D030C-02AF-7E69-77B5-98F859A16F65}"/>
               </a:ext>
             </a:extLst>
           </p:cNvPr>
@@ -15261,8 +15374,8 @@
         </p:nvSpPr>
         <p:spPr>
           <a:xfrm>
-            <a:off x="5903554" y="1575953"/>
-            <a:ext cx="5946320" cy="2554545"/>
+            <a:off x="-42767" y="4607078"/>
+            <a:ext cx="5946320" cy="2308324"/>
           </a:xfrm>
           <a:prstGeom prst="rect">
             <a:avLst/>
@@ -15278,7 +15391,7 @@
             <a:pPr algn="ctr"/>
             <a:r>
               <a:rPr lang="en-US" sz="1600" b="1" u="sng" dirty="0"/>
-              <a:t>Equipment Used</a:t>
+              <a:t>Required Manual Inputs and Adjustments</a:t>
             </a:r>
           </a:p>
           <a:p>
@@ -15288,7 +15401,7 @@
             </a:pPr>
             <a:r>
               <a:rPr lang="en-US" sz="1600" dirty="0"/>
-              <a:t>Anritsu ECL Lasers 3 and 4</a:t>
+              <a:t>Turn on all equipment</a:t>
             </a:r>
           </a:p>
           <a:p>
@@ -15298,17 +15411,7 @@
             </a:pPr>
             <a:r>
               <a:rPr lang="en-US" sz="1600" dirty="0"/>
-              <a:t>HP ESA 8565E</a:t>
-            </a:r>
-          </a:p>
-          <a:p>
-            <a:pPr marL="742950" lvl="1" indent="-285750">
-              <a:buFontTx/>
-              <a:buChar char="-"/>
-            </a:pPr>
-            <a:r>
-              <a:rPr lang="en-US" sz="1600" dirty="0"/>
-              <a:t>Newport Commercial PD</a:t>
+              <a:t>Turn on Delta WL mode on Wavelength Meter</a:t>
             </a:r>
           </a:p>
           <a:p>
@@ -15318,7 +15421,7 @@
             </a:pPr>
             <a:r>
               <a:rPr lang="en-US" sz="1600" dirty="0"/>
-              <a:t>HP Wavelength Meter 86120C</a:t>
+              <a:t>Zero R&amp;S Power Meter using Power Viewer Software</a:t>
             </a:r>
           </a:p>
           <a:p>
@@ -15328,7 +15431,7 @@
             </a:pPr>
             <a:r>
               <a:rPr lang="en-US" sz="1600" dirty="0"/>
-              <a:t>KEOPSYS Optical Amplifier</a:t>
+              <a:t>Enable lasers, set output power</a:t>
             </a:r>
           </a:p>
           <a:p>
@@ -15338,7 +15441,7 @@
             </a:pPr>
             <a:r>
               <a:rPr lang="en-US" sz="1600" dirty="0"/>
-              <a:t>Agilent Attenuator 81577A  (VOA)</a:t>
+              <a:t>Enable Keithley Source meter – set output voltage and current threshold</a:t>
             </a:r>
           </a:p>
           <a:p>
@@ -15348,7 +15451,7 @@
             </a:pPr>
             <a:r>
               <a:rPr lang="en-US" sz="1600" dirty="0"/>
-              <a:t>Keithley Source meter 2400-C (High Power 3)</a:t>
+              <a:t>Enable optical amplifier and turn on pump</a:t>
             </a:r>
           </a:p>
           <a:p>
@@ -15358,24 +15461,17 @@
             </a:pPr>
             <a:r>
               <a:rPr lang="en-US" sz="1600" dirty="0"/>
-              <a:t>Rohde &amp; Shwarz Power Meter NRP-Z58</a:t>
-            </a:r>
-          </a:p>
-          <a:p>
-            <a:pPr marL="285750" indent="-285750">
-              <a:buFontTx/>
-              <a:buChar char="-"/>
-            </a:pPr>
-            <a:endParaRPr lang="en-US" sz="1600" dirty="0"/>
-          </a:p>
-        </p:txBody>
-      </p:sp>
-      <p:sp>
-        <p:nvSpPr>
-          <p:cNvPr id="12" name="TextBox 11">
-            <a:extLst>
-              <a:ext uri="{FF2B5EF4-FFF2-40B4-BE49-F238E27FC236}">
-                <a16:creationId xmlns:a16="http://schemas.microsoft.com/office/drawing/2014/main" id="{C07D030C-02AF-7E69-77B5-98F859A16F65}"/>
+              <a:t>Enable VOA and adjust attenuation</a:t>
+            </a:r>
+          </a:p>
+        </p:txBody>
+      </p:sp>
+      <p:sp>
+        <p:nvSpPr>
+          <p:cNvPr id="16" name="TextBox 15">
+            <a:extLst>
+              <a:ext uri="{FF2B5EF4-FFF2-40B4-BE49-F238E27FC236}">
+                <a16:creationId xmlns:a16="http://schemas.microsoft.com/office/drawing/2014/main" id="{5B996A7F-238D-DD04-205C-EAD750560AB9}"/>
               </a:ext>
             </a:extLst>
           </p:cNvPr>
@@ -15384,113 +15480,7 @@
         </p:nvSpPr>
         <p:spPr>
           <a:xfrm>
-            <a:off x="-42767" y="4607078"/>
-            <a:ext cx="5946320" cy="2308324"/>
-          </a:xfrm>
-          <a:prstGeom prst="rect">
-            <a:avLst/>
-          </a:prstGeom>
-          <a:noFill/>
-        </p:spPr>
-        <p:txBody>
-          <a:bodyPr wrap="square" rtlCol="0">
-            <a:spAutoFit/>
-          </a:bodyPr>
-          <a:lstStyle/>
-          <a:p>
-            <a:pPr algn="ctr"/>
-            <a:r>
-              <a:rPr lang="en-US" sz="1600" b="1" u="sng" dirty="0"/>
-              <a:t>Required Manual Inputs and Adjustments</a:t>
-            </a:r>
-          </a:p>
-          <a:p>
-            <a:pPr marL="285750" indent="-285750">
-              <a:buFontTx/>
-              <a:buChar char="-"/>
-            </a:pPr>
-            <a:r>
-              <a:rPr lang="en-US" sz="1600" dirty="0"/>
-              <a:t>Turn on all equipment</a:t>
-            </a:r>
-          </a:p>
-          <a:p>
-            <a:pPr marL="285750" indent="-285750">
-              <a:buFontTx/>
-              <a:buChar char="-"/>
-            </a:pPr>
-            <a:r>
-              <a:rPr lang="en-US" sz="1600" dirty="0"/>
-              <a:t>Turn on Delta WL mode on Wavelength Meter</a:t>
-            </a:r>
-          </a:p>
-          <a:p>
-            <a:pPr marL="285750" indent="-285750">
-              <a:buFontTx/>
-              <a:buChar char="-"/>
-            </a:pPr>
-            <a:r>
-              <a:rPr lang="en-US" sz="1600" dirty="0"/>
-              <a:t>Zero R&amp;S Power Meter using Power Viewer Software</a:t>
-            </a:r>
-          </a:p>
-          <a:p>
-            <a:pPr marL="285750" indent="-285750">
-              <a:buFontTx/>
-              <a:buChar char="-"/>
-            </a:pPr>
-            <a:r>
-              <a:rPr lang="en-US" sz="1600" dirty="0"/>
-              <a:t>Enable lasers, set output power</a:t>
-            </a:r>
-          </a:p>
-          <a:p>
-            <a:pPr marL="285750" indent="-285750">
-              <a:buFontTx/>
-              <a:buChar char="-"/>
-            </a:pPr>
-            <a:r>
-              <a:rPr lang="en-US" sz="1600" dirty="0"/>
-              <a:t>Enable Keithley Source meter – set output voltage and current threshold</a:t>
-            </a:r>
-          </a:p>
-          <a:p>
-            <a:pPr marL="285750" indent="-285750">
-              <a:buFontTx/>
-              <a:buChar char="-"/>
-            </a:pPr>
-            <a:r>
-              <a:rPr lang="en-US" sz="1600" dirty="0"/>
-              <a:t>Enable optical amplifier and turn on pump</a:t>
-            </a:r>
-          </a:p>
-          <a:p>
-            <a:pPr marL="285750" indent="-285750">
-              <a:buFontTx/>
-              <a:buChar char="-"/>
-            </a:pPr>
-            <a:r>
-              <a:rPr lang="en-US" sz="1600" dirty="0"/>
-              <a:t>Enable VOA and adjust attenuation</a:t>
-            </a:r>
-          </a:p>
-        </p:txBody>
-      </p:sp>
-      <p:sp>
-        <p:nvSpPr>
-          <p:cNvPr id="16" name="TextBox 15">
-            <a:extLst>
-              <a:ext uri="{FF2B5EF4-FFF2-40B4-BE49-F238E27FC236}">
-                <a16:creationId xmlns:a16="http://schemas.microsoft.com/office/drawing/2014/main" id="{5B996A7F-238D-DD04-205C-EAD750560AB9}"/>
-              </a:ext>
-            </a:extLst>
-          </p:cNvPr>
-          <p:cNvSpPr txBox="1"/>
-          <p:nvPr/>
-        </p:nvSpPr>
-        <p:spPr>
-          <a:xfrm>
-            <a:off x="5903554" y="3970755"/>
+            <a:off x="6245676" y="1575953"/>
             <a:ext cx="5946320" cy="3046988"/>
           </a:xfrm>
           <a:prstGeom prst="rect">
@@ -20836,12 +20826,6 @@
 </file>
 
 <file path=customXml/item1.xml><?xml version="1.0" encoding="utf-8"?>
-<p:properties xmlns:p="http://schemas.microsoft.com/office/2006/metadata/properties" xmlns:xsi="http://www.w3.org/2001/XMLSchema-instance" xmlns:pc="http://schemas.microsoft.com/office/infopath/2007/PartnerControls">
-  <documentManagement/>
-</p:properties>
-</file>
-
-<file path=customXml/item2.xml><?xml version="1.0" encoding="utf-8"?>
 <ct:contentTypeSchema xmlns:ct="http://schemas.microsoft.com/office/2006/metadata/contentType" xmlns:ma="http://schemas.microsoft.com/office/2006/metadata/properties/metaAttributes" ct:_="" ma:_="" ma:contentTypeName="Document" ma:contentTypeID="0x010100311E3FAC3F57E84B874A39578F8EF0ED" ma:contentTypeVersion="4" ma:contentTypeDescription="Create a new document." ma:contentTypeScope="" ma:versionID="e83f8c4d8fc6ca8dbed5982f21bdc075">
   <xsd:schema xmlns:xsd="http://www.w3.org/2001/XMLSchema" xmlns:xs="http://www.w3.org/2001/XMLSchema" xmlns:p="http://schemas.microsoft.com/office/2006/metadata/properties" xmlns:ns3="969c959e-5e77-4518-8f7e-43741d846617" targetNamespace="http://schemas.microsoft.com/office/2006/metadata/properties" ma:root="true" ma:fieldsID="060ef08fabbcfd72654cdcadd764965b" ns3:_="">
     <xsd:import namespace="969c959e-5e77-4518-8f7e-43741d846617"/>
@@ -20985,6 +20969,12 @@
 </ct:contentTypeSchema>
 </file>
 
+<file path=customXml/item2.xml><?xml version="1.0" encoding="utf-8"?>
+<p:properties xmlns:p="http://schemas.microsoft.com/office/2006/metadata/properties" xmlns:xsi="http://www.w3.org/2001/XMLSchema-instance" xmlns:pc="http://schemas.microsoft.com/office/infopath/2007/PartnerControls">
+  <documentManagement/>
+</p:properties>
+</file>
+
 <file path=customXml/item3.xml><?xml version="1.0" encoding="utf-8"?>
 <?mso-contentType ?>
 <FormTemplates xmlns="http://schemas.microsoft.com/sharepoint/v3/contenttype/forms">
@@ -20995,22 +20985,6 @@
 </file>
 
 <file path=customXml/itemProps1.xml><?xml version="1.0" encoding="utf-8"?>
-<ds:datastoreItem xmlns:ds="http://schemas.openxmlformats.org/officeDocument/2006/customXml" ds:itemID="{1EBA43AB-2EBE-4190-A200-2EF3AEF7BD29}">
-  <ds:schemaRefs>
-    <ds:schemaRef ds:uri="http://www.w3.org/XML/1998/namespace"/>
-    <ds:schemaRef ds:uri="http://purl.org/dc/dcmitype/"/>
-    <ds:schemaRef ds:uri="http://purl.org/dc/elements/1.1/"/>
-    <ds:schemaRef ds:uri="969c959e-5e77-4518-8f7e-43741d846617"/>
-    <ds:schemaRef ds:uri="http://schemas.microsoft.com/office/2006/documentManagement/types"/>
-    <ds:schemaRef ds:uri="http://purl.org/dc/terms/"/>
-    <ds:schemaRef ds:uri="http://schemas.microsoft.com/office/2006/metadata/properties"/>
-    <ds:schemaRef ds:uri="http://schemas.openxmlformats.org/package/2006/metadata/core-properties"/>
-    <ds:schemaRef ds:uri="http://schemas.microsoft.com/office/infopath/2007/PartnerControls"/>
-  </ds:schemaRefs>
-</ds:datastoreItem>
-</file>
-
-<file path=customXml/itemProps2.xml><?xml version="1.0" encoding="utf-8"?>
 <ds:datastoreItem xmlns:ds="http://schemas.openxmlformats.org/officeDocument/2006/customXml" ds:itemID="{C13F61F3-43DA-4198-BB21-352B5B164942}">
   <ds:schemaRefs>
     <ds:schemaRef ds:uri="http://schemas.microsoft.com/office/2006/metadata/contentType"/>
@@ -21028,6 +21002,22 @@
 </ds:datastoreItem>
 </file>
 
+<file path=customXml/itemProps2.xml><?xml version="1.0" encoding="utf-8"?>
+<ds:datastoreItem xmlns:ds="http://schemas.openxmlformats.org/officeDocument/2006/customXml" ds:itemID="{1EBA43AB-2EBE-4190-A200-2EF3AEF7BD29}">
+  <ds:schemaRefs>
+    <ds:schemaRef ds:uri="http://www.w3.org/XML/1998/namespace"/>
+    <ds:schemaRef ds:uri="http://purl.org/dc/dcmitype/"/>
+    <ds:schemaRef ds:uri="http://purl.org/dc/elements/1.1/"/>
+    <ds:schemaRef ds:uri="969c959e-5e77-4518-8f7e-43741d846617"/>
+    <ds:schemaRef ds:uri="http://schemas.microsoft.com/office/2006/documentManagement/types"/>
+    <ds:schemaRef ds:uri="http://purl.org/dc/terms/"/>
+    <ds:schemaRef ds:uri="http://schemas.microsoft.com/office/2006/metadata/properties"/>
+    <ds:schemaRef ds:uri="http://schemas.openxmlformats.org/package/2006/metadata/core-properties"/>
+    <ds:schemaRef ds:uri="http://schemas.microsoft.com/office/infopath/2007/PartnerControls"/>
+  </ds:schemaRefs>
+</ds:datastoreItem>
+</file>
+
 <file path=customXml/itemProps3.xml><?xml version="1.0" encoding="utf-8"?>
 <ds:datastoreItem xmlns:ds="http://schemas.openxmlformats.org/officeDocument/2006/customXml" ds:itemID="{D1AE7AF9-E200-45D4-948C-DCA3BD55FB67}">
   <ds:schemaRefs>
